--- a/techtalk/CloudDNS-TechTalk-2-ArchitectureDesign.pptx
+++ b/techtalk/CloudDNS-TechTalk-2-ArchitectureDesign.pptx
@@ -237,7 +237,7 @@
             <a:fld id="{024717CF-9968-0D4D-9FC4-597B2E56B041}" type="datetimeFigureOut">
               <a:rPr lang="en-US" smtClean="0"/>
               <a:pPr/>
-              <a:t>10/24/11</a:t>
+              <a:t>10/25/11</a:t>
             </a:fld>
             <a:endParaRPr lang="en-US" dirty="0"/>
           </a:p>
@@ -405,7 +405,7 @@
             <a:fld id="{E59A0190-259B-884B-986E-E78E91DEEBF9}" type="datetimeFigureOut">
               <a:rPr lang="en-US" smtClean="0"/>
               <a:pPr/>
-              <a:t>10/24/11</a:t>
+              <a:t>10/25/11</a:t>
             </a:fld>
             <a:endParaRPr lang="en-US" dirty="0"/>
           </a:p>
@@ -4495,44 +4495,6 @@
       </p:sp>
       <p:sp>
         <p:nvSpPr>
-          <p:cNvPr id="5" name="Content Placeholder 4"/>
-          <p:cNvSpPr>
-            <a:spLocks noGrp="1"/>
-          </p:cNvSpPr>
-          <p:nvPr>
-            <p:ph sz="half" idx="1"/>
-          </p:nvPr>
-        </p:nvSpPr>
-        <p:spPr/>
-        <p:txBody>
-          <a:bodyPr/>
-          <a:lstStyle/>
-          <a:p>
-            <a:endParaRPr lang="en-US" dirty="0"/>
-          </a:p>
-        </p:txBody>
-      </p:sp>
-      <p:sp>
-        <p:nvSpPr>
-          <p:cNvPr id="6" name="Content Placeholder 5"/>
-          <p:cNvSpPr>
-            <a:spLocks noGrp="1"/>
-          </p:cNvSpPr>
-          <p:nvPr>
-            <p:ph sz="half" idx="2"/>
-          </p:nvPr>
-        </p:nvSpPr>
-        <p:spPr/>
-        <p:txBody>
-          <a:bodyPr/>
-          <a:lstStyle/>
-          <a:p>
-            <a:endParaRPr lang="en-US" dirty="0"/>
-          </a:p>
-        </p:txBody>
-      </p:sp>
-      <p:sp>
-        <p:nvSpPr>
           <p:cNvPr id="4" name="Slide Number Placeholder 3"/>
           <p:cNvSpPr>
             <a:spLocks noGrp="1"/>
@@ -4560,6 +4522,754 @@
           </a:p>
         </p:txBody>
       </p:sp>
+      <p:grpSp>
+        <p:nvGrpSpPr>
+          <p:cNvPr id="8" name="Group 7"/>
+          <p:cNvGrpSpPr/>
+          <p:nvPr/>
+        </p:nvGrpSpPr>
+        <p:grpSpPr>
+          <a:xfrm>
+            <a:off x="533400" y="1752600"/>
+            <a:ext cx="3429000" cy="990600"/>
+            <a:chOff x="2895600" y="2819400"/>
+            <a:chExt cx="3657600" cy="1143000"/>
+          </a:xfrm>
+          <a:noFill/>
+        </p:grpSpPr>
+        <p:sp>
+          <p:nvSpPr>
+            <p:cNvPr id="3" name="Rectangle 2"/>
+            <p:cNvSpPr/>
+            <p:nvPr/>
+          </p:nvSpPr>
+          <p:spPr bwMode="auto">
+            <a:xfrm>
+              <a:off x="2895600" y="2819400"/>
+              <a:ext cx="3657600" cy="1143000"/>
+            </a:xfrm>
+            <a:prstGeom prst="rect">
+              <a:avLst/>
+            </a:prstGeom>
+            <a:grpFill/>
+            <a:ln w="25400" cap="flat" cmpd="sng" algn="ctr">
+              <a:solidFill>
+                <a:srgbClr val="000000"/>
+              </a:solidFill>
+              <a:prstDash val="solid"/>
+              <a:round/>
+              <a:headEnd type="none" w="med" len="med"/>
+              <a:tailEnd type="none" w="med" len="med"/>
+            </a:ln>
+            <a:effectLst/>
+            <a:extLst>
+              <a:ext uri="{AF507438-7753-43e0-B8FC-AC1667EBCBE1}">
+                <a14:hiddenEffects xmlns:a14="http://schemas.microsoft.com/office/drawing/2010/main">
+                  <a:effectLst>
+                    <a:outerShdw blurRad="63500" dist="38099" dir="2700000" algn="ctr" rotWithShape="0">
+                      <a:schemeClr val="bg2">
+                        <a:alpha val="74998"/>
+                      </a:schemeClr>
+                    </a:outerShdw>
+                  </a:effectLst>
+                </a14:hiddenEffects>
+              </a:ext>
+            </a:extLst>
+          </p:spPr>
+          <p:txBody>
+            <a:bodyPr vert="horz" wrap="square" lIns="91440" tIns="45720" rIns="91440" bIns="45720" numCol="1" rtlCol="0" anchor="ctr" anchorCtr="0" compatLnSpc="1">
+              <a:prstTxWarp prst="textNoShape">
+                <a:avLst/>
+              </a:prstTxWarp>
+            </a:bodyPr>
+            <a:lstStyle/>
+            <a:p>
+              <a:pPr marL="0" marR="0" indent="0" algn="ctr" defTabSz="914400" rtl="0" eaLnBrk="1" fontAlgn="base" latinLnBrk="0" hangingPunct="1">
+                <a:lnSpc>
+                  <a:spcPct val="100000"/>
+                </a:lnSpc>
+                <a:spcBef>
+                  <a:spcPct val="0"/>
+                </a:spcBef>
+                <a:spcAft>
+                  <a:spcPct val="0"/>
+                </a:spcAft>
+                <a:buClrTx/>
+                <a:buSzTx/>
+                <a:buFontTx/>
+                <a:buNone/>
+                <a:tabLst/>
+              </a:pPr>
+              <a:r>
+                <a:rPr kumimoji="0" lang="en-US" sz="4200" b="0" i="0" u="none" strike="noStrike" cap="none" normalizeH="0" baseline="0" dirty="0" smtClean="0">
+                  <a:ln>
+                    <a:solidFill>
+                      <a:schemeClr val="tx1"/>
+                    </a:solidFill>
+                  </a:ln>
+                  <a:solidFill>
+                    <a:schemeClr val="tx1"/>
+                  </a:solidFill>
+                  <a:effectLst/>
+                  <a:latin typeface="Gill Sans" charset="0"/>
+                  <a:ea typeface="ヒラギノ角ゴ ProN W3" charset="0"/>
+                  <a:cs typeface="ヒラギノ角ゴ ProN W3" charset="0"/>
+                  <a:sym typeface="Gill Sans" charset="0"/>
+                </a:rPr>
+                <a:t>   Cloud DNS</a:t>
+              </a:r>
+              <a:endParaRPr kumimoji="0" lang="en-US" sz="4200" b="0" i="0" u="none" strike="noStrike" cap="none" normalizeH="0" baseline="0" dirty="0">
+                <a:ln>
+                  <a:solidFill>
+                    <a:schemeClr val="tx1"/>
+                  </a:solidFill>
+                </a:ln>
+                <a:solidFill>
+                  <a:schemeClr val="tx1"/>
+                </a:solidFill>
+                <a:effectLst/>
+                <a:latin typeface="Gill Sans" charset="0"/>
+                <a:ea typeface="ヒラギノ角ゴ ProN W3" charset="0"/>
+                <a:cs typeface="ヒラギノ角ゴ ProN W3" charset="0"/>
+                <a:sym typeface="Gill Sans" charset="0"/>
+              </a:endParaRPr>
+            </a:p>
+          </p:txBody>
+        </p:sp>
+        <p:pic>
+          <p:nvPicPr>
+            <p:cNvPr id="7" name="Picture 6"/>
+            <p:cNvPicPr>
+              <a:picLocks noChangeAspect="1"/>
+            </p:cNvPicPr>
+            <p:nvPr/>
+          </p:nvPicPr>
+          <p:blipFill>
+            <a:blip r:embed="rId3"/>
+            <a:stretch>
+              <a:fillRect/>
+            </a:stretch>
+          </p:blipFill>
+          <p:spPr>
+            <a:xfrm>
+              <a:off x="2971800" y="3074610"/>
+              <a:ext cx="635000" cy="635000"/>
+            </a:xfrm>
+            <a:prstGeom prst="rect">
+              <a:avLst/>
+            </a:prstGeom>
+            <a:grpFill/>
+          </p:spPr>
+        </p:pic>
+      </p:grpSp>
+      <p:grpSp>
+        <p:nvGrpSpPr>
+          <p:cNvPr id="11" name="Group 10"/>
+          <p:cNvGrpSpPr/>
+          <p:nvPr/>
+        </p:nvGrpSpPr>
+        <p:grpSpPr>
+          <a:xfrm>
+            <a:off x="1828800" y="2667000"/>
+            <a:ext cx="1905000" cy="533400"/>
+            <a:chOff x="1600199" y="4828077"/>
+            <a:chExt cx="3124200" cy="988513"/>
+          </a:xfrm>
+        </p:grpSpPr>
+        <p:sp>
+          <p:nvSpPr>
+            <p:cNvPr id="10" name="TextBox 9"/>
+            <p:cNvSpPr txBox="1"/>
+            <p:nvPr/>
+          </p:nvSpPr>
+          <p:spPr>
+            <a:xfrm>
+              <a:off x="1600199" y="4828077"/>
+              <a:ext cx="3124200" cy="988513"/>
+            </a:xfrm>
+            <a:prstGeom prst="rect">
+              <a:avLst/>
+            </a:prstGeom>
+            <a:solidFill>
+              <a:schemeClr val="accent3">
+                <a:lumMod val="85000"/>
+              </a:schemeClr>
+            </a:solidFill>
+            <a:ln>
+              <a:solidFill>
+                <a:schemeClr val="accent1">
+                  <a:lumMod val="65000"/>
+                </a:schemeClr>
+              </a:solidFill>
+            </a:ln>
+          </p:spPr>
+          <p:txBody>
+            <a:bodyPr wrap="square" rtlCol="0" anchor="ctr" anchorCtr="0">
+              <a:noAutofit/>
+            </a:bodyPr>
+            <a:lstStyle/>
+            <a:p>
+              <a:r>
+                <a:rPr lang="en-US" sz="2400" dirty="0" smtClean="0"/>
+                <a:t>    </a:t>
+              </a:r>
+              <a:r>
+                <a:rPr lang="en-US" sz="2400" dirty="0" err="1" smtClean="0"/>
+                <a:t>PowerAPI</a:t>
+              </a:r>
+              <a:endParaRPr lang="en-US" sz="2400" dirty="0"/>
+            </a:p>
+          </p:txBody>
+        </p:sp>
+        <p:pic>
+          <p:nvPicPr>
+            <p:cNvPr id="9" name="Picture 8"/>
+            <p:cNvPicPr>
+              <a:picLocks noChangeAspect="1"/>
+            </p:cNvPicPr>
+            <p:nvPr/>
+          </p:nvPicPr>
+          <p:blipFill>
+            <a:blip r:embed="rId4"/>
+            <a:stretch>
+              <a:fillRect/>
+            </a:stretch>
+          </p:blipFill>
+          <p:spPr>
+            <a:xfrm>
+              <a:off x="1676400" y="5029200"/>
+              <a:ext cx="673100" cy="673100"/>
+            </a:xfrm>
+            <a:prstGeom prst="rect">
+              <a:avLst/>
+            </a:prstGeom>
+          </p:spPr>
+        </p:pic>
+      </p:grpSp>
+      <p:grpSp>
+        <p:nvGrpSpPr>
+          <p:cNvPr id="14" name="Group 13"/>
+          <p:cNvGrpSpPr/>
+          <p:nvPr/>
+        </p:nvGrpSpPr>
+        <p:grpSpPr>
+          <a:xfrm>
+            <a:off x="381000" y="4648200"/>
+            <a:ext cx="3124200" cy="1219200"/>
+            <a:chOff x="304800" y="1447800"/>
+            <a:chExt cx="3657600" cy="1295400"/>
+          </a:xfrm>
+        </p:grpSpPr>
+        <p:sp>
+          <p:nvSpPr>
+            <p:cNvPr id="13" name="Cloud 12"/>
+            <p:cNvSpPr/>
+            <p:nvPr/>
+          </p:nvSpPr>
+          <p:spPr bwMode="auto">
+            <a:xfrm>
+              <a:off x="304800" y="1447800"/>
+              <a:ext cx="3657600" cy="1295400"/>
+            </a:xfrm>
+            <a:prstGeom prst="cloud">
+              <a:avLst/>
+            </a:prstGeom>
+            <a:solidFill>
+              <a:schemeClr val="accent1"/>
+            </a:solidFill>
+            <a:ln w="25400" cap="flat" cmpd="sng" algn="ctr">
+              <a:solidFill>
+                <a:srgbClr val="000000"/>
+              </a:solidFill>
+              <a:prstDash val="solid"/>
+              <a:round/>
+              <a:headEnd type="none" w="med" len="med"/>
+              <a:tailEnd type="none" w="med" len="med"/>
+            </a:ln>
+            <a:effectLst/>
+            <a:extLst>
+              <a:ext uri="{AF507438-7753-43e0-B8FC-AC1667EBCBE1}">
+                <a14:hiddenEffects xmlns:a14="http://schemas.microsoft.com/office/drawing/2010/main">
+                  <a:effectLst>
+                    <a:outerShdw blurRad="63500" dist="38099" dir="2700000" algn="ctr" rotWithShape="0">
+                      <a:schemeClr val="bg2">
+                        <a:alpha val="74998"/>
+                      </a:schemeClr>
+                    </a:outerShdw>
+                  </a:effectLst>
+                </a14:hiddenEffects>
+              </a:ext>
+            </a:extLst>
+          </p:spPr>
+          <p:txBody>
+            <a:bodyPr vert="horz" wrap="square" lIns="91440" tIns="45720" rIns="91440" bIns="45720" numCol="1" rtlCol="0" anchor="ctr" anchorCtr="0" compatLnSpc="1">
+              <a:prstTxWarp prst="textNoShape">
+                <a:avLst/>
+              </a:prstTxWarp>
+            </a:bodyPr>
+            <a:lstStyle/>
+            <a:p>
+              <a:pPr marL="0" marR="0" indent="0" algn="ctr" defTabSz="914400" rtl="0" eaLnBrk="1" fontAlgn="base" latinLnBrk="0" hangingPunct="1">
+                <a:lnSpc>
+                  <a:spcPct val="100000"/>
+                </a:lnSpc>
+                <a:spcBef>
+                  <a:spcPct val="0"/>
+                </a:spcBef>
+                <a:spcAft>
+                  <a:spcPct val="0"/>
+                </a:spcAft>
+                <a:buClrTx/>
+                <a:buSzTx/>
+                <a:buFontTx/>
+                <a:buNone/>
+                <a:tabLst/>
+              </a:pPr>
+              <a:r>
+                <a:rPr lang="en-US" sz="1800" dirty="0"/>
+                <a:t> </a:t>
+              </a:r>
+              <a:r>
+                <a:rPr lang="en-US" sz="1800" dirty="0" smtClean="0"/>
+                <a:t>     </a:t>
+              </a:r>
+              <a:r>
+                <a:rPr kumimoji="0" lang="en-US" sz="1800" b="0" i="0" u="none" strike="noStrike" cap="none" normalizeH="0" baseline="0" dirty="0" smtClean="0">
+                  <a:ln>
+                    <a:noFill/>
+                  </a:ln>
+                  <a:solidFill>
+                    <a:srgbClr val="000000"/>
+                  </a:solidFill>
+                  <a:effectLst/>
+                  <a:sym typeface="Gill Sans" charset="0"/>
+                </a:rPr>
+                <a:t>Cloud </a:t>
+              </a:r>
+              <a:r>
+                <a:rPr kumimoji="0" lang="en-US" sz="1800" b="0" i="0" u="none" strike="noStrike" cap="none" normalizeH="0" baseline="0" dirty="0" err="1" smtClean="0">
+                  <a:ln>
+                    <a:noFill/>
+                  </a:ln>
+                  <a:solidFill>
+                    <a:srgbClr val="000000"/>
+                  </a:solidFill>
+                  <a:effectLst/>
+                  <a:sym typeface="Gill Sans" charset="0"/>
+                </a:rPr>
+                <a:t>Auth</a:t>
+              </a:r>
+              <a:r>
+                <a:rPr kumimoji="0" lang="en-US" sz="1800" b="0" i="0" u="none" strike="noStrike" cap="none" normalizeH="0" baseline="0" dirty="0" smtClean="0">
+                  <a:ln>
+                    <a:noFill/>
+                  </a:ln>
+                  <a:solidFill>
+                    <a:srgbClr val="000000"/>
+                  </a:solidFill>
+                  <a:effectLst/>
+                  <a:sym typeface="Gill Sans" charset="0"/>
+                </a:rPr>
+                <a:t> v1.1</a:t>
+              </a:r>
+              <a:endParaRPr kumimoji="0" lang="en-US" sz="1800" b="0" i="0" u="none" strike="noStrike" cap="none" normalizeH="0" baseline="0" dirty="0">
+                <a:ln>
+                  <a:noFill/>
+                </a:ln>
+                <a:solidFill>
+                  <a:srgbClr val="000000"/>
+                </a:solidFill>
+                <a:effectLst/>
+                <a:sym typeface="Gill Sans" charset="0"/>
+              </a:endParaRPr>
+            </a:p>
+          </p:txBody>
+        </p:sp>
+        <p:pic>
+          <p:nvPicPr>
+            <p:cNvPr id="12" name="Picture 11"/>
+            <p:cNvPicPr>
+              <a:picLocks noChangeAspect="1"/>
+            </p:cNvPicPr>
+            <p:nvPr/>
+          </p:nvPicPr>
+          <p:blipFill>
+            <a:blip r:embed="rId5"/>
+            <a:stretch>
+              <a:fillRect/>
+            </a:stretch>
+          </p:blipFill>
+          <p:spPr>
+            <a:xfrm>
+              <a:off x="762000" y="1758950"/>
+              <a:ext cx="673100" cy="673100"/>
+            </a:xfrm>
+            <a:prstGeom prst="rect">
+              <a:avLst/>
+            </a:prstGeom>
+          </p:spPr>
+        </p:pic>
+      </p:grpSp>
+      <p:sp>
+        <p:nvSpPr>
+          <p:cNvPr id="15" name="Cloud 14"/>
+          <p:cNvSpPr/>
+          <p:nvPr/>
+        </p:nvSpPr>
+        <p:spPr bwMode="auto">
+          <a:xfrm>
+            <a:off x="5410200" y="1447800"/>
+            <a:ext cx="3124200" cy="1066800"/>
+          </a:xfrm>
+          <a:prstGeom prst="cloud">
+            <a:avLst/>
+          </a:prstGeom>
+          <a:solidFill>
+            <a:schemeClr val="accent1"/>
+          </a:solidFill>
+          <a:ln w="25400" cap="flat" cmpd="sng" algn="ctr">
+            <a:solidFill>
+              <a:srgbClr val="000000"/>
+            </a:solidFill>
+            <a:prstDash val="solid"/>
+            <a:round/>
+            <a:headEnd type="none" w="med" len="med"/>
+            <a:tailEnd type="none" w="med" len="med"/>
+          </a:ln>
+          <a:effectLst/>
+          <a:extLst>
+            <a:ext uri="{AF507438-7753-43e0-B8FC-AC1667EBCBE1}">
+              <a14:hiddenEffects xmlns:a14="http://schemas.microsoft.com/office/drawing/2010/main">
+                <a:effectLst>
+                  <a:outerShdw blurRad="63500" dist="38099" dir="2700000" algn="ctr" rotWithShape="0">
+                    <a:schemeClr val="bg2">
+                      <a:alpha val="74998"/>
+                    </a:schemeClr>
+                  </a:outerShdw>
+                </a:effectLst>
+              </a14:hiddenEffects>
+            </a:ext>
+          </a:extLst>
+        </p:spPr>
+        <p:txBody>
+          <a:bodyPr vert="horz" wrap="square" lIns="91440" tIns="45720" rIns="91440" bIns="45720" numCol="1" rtlCol="0" anchor="t" anchorCtr="0" compatLnSpc="1">
+            <a:prstTxWarp prst="textNoShape">
+              <a:avLst/>
+            </a:prstTxWarp>
+          </a:bodyPr>
+          <a:lstStyle/>
+          <a:p>
+            <a:pPr marL="0" marR="0" indent="0" algn="ctr" defTabSz="914400" rtl="0" eaLnBrk="1" fontAlgn="base" latinLnBrk="0" hangingPunct="1">
+              <a:lnSpc>
+                <a:spcPct val="100000"/>
+              </a:lnSpc>
+              <a:spcBef>
+                <a:spcPct val="0"/>
+              </a:spcBef>
+              <a:spcAft>
+                <a:spcPct val="0"/>
+              </a:spcAft>
+              <a:buClrTx/>
+              <a:buSzTx/>
+              <a:buFontTx/>
+              <a:buNone/>
+              <a:tabLst/>
+            </a:pPr>
+            <a:r>
+              <a:rPr kumimoji="0" lang="en-US" sz="1800" b="0" i="0" u="none" strike="noStrike" cap="none" normalizeH="0" baseline="0" dirty="0" smtClean="0">
+                <a:ln>
+                  <a:noFill/>
+                </a:ln>
+                <a:solidFill>
+                  <a:srgbClr val="000000"/>
+                </a:solidFill>
+                <a:effectLst/>
+                <a:latin typeface="Gill Sans" charset="0"/>
+                <a:ea typeface="ヒラギノ角ゴ ProN W3" charset="0"/>
+                <a:cs typeface="ヒラギノ角ゴ ProN W3" charset="0"/>
+                <a:sym typeface="Gill Sans" charset="0"/>
+              </a:rPr>
+              <a:t>ESB </a:t>
+            </a:r>
+            <a:r>
+              <a:rPr kumimoji="0" lang="en-US" sz="1800" b="0" i="0" u="none" strike="noStrike" cap="none" normalizeH="0" baseline="0" dirty="0" err="1" smtClean="0">
+                <a:ln>
+                  <a:noFill/>
+                </a:ln>
+                <a:solidFill>
+                  <a:srgbClr val="000000"/>
+                </a:solidFill>
+                <a:effectLst/>
+                <a:latin typeface="Gill Sans" charset="0"/>
+                <a:ea typeface="ヒラギノ角ゴ ProN W3" charset="0"/>
+                <a:cs typeface="ヒラギノ角ゴ ProN W3" charset="0"/>
+                <a:sym typeface="Gill Sans" charset="0"/>
+              </a:rPr>
+              <a:t>Mosso</a:t>
+            </a:r>
+            <a:r>
+              <a:rPr kumimoji="0" lang="en-US" sz="1800" b="0" i="0" u="none" strike="noStrike" cap="none" normalizeH="0" baseline="0" dirty="0" smtClean="0">
+                <a:ln>
+                  <a:noFill/>
+                </a:ln>
+                <a:solidFill>
+                  <a:srgbClr val="000000"/>
+                </a:solidFill>
+                <a:effectLst/>
+                <a:latin typeface="Gill Sans" charset="0"/>
+                <a:ea typeface="ヒラギノ角ゴ ProN W3" charset="0"/>
+                <a:cs typeface="ヒラギノ角ゴ ProN W3" charset="0"/>
+                <a:sym typeface="Gill Sans" charset="0"/>
+              </a:rPr>
+              <a:t> Services Account Service</a:t>
+            </a:r>
+            <a:endParaRPr kumimoji="0" lang="en-US" sz="1800" b="0" i="0" u="none" strike="noStrike" cap="none" normalizeH="0" baseline="0" dirty="0">
+              <a:ln>
+                <a:noFill/>
+              </a:ln>
+              <a:solidFill>
+                <a:srgbClr val="000000"/>
+              </a:solidFill>
+              <a:effectLst/>
+              <a:latin typeface="Gill Sans" charset="0"/>
+              <a:ea typeface="ヒラギノ角ゴ ProN W3" charset="0"/>
+              <a:cs typeface="ヒラギノ角ゴ ProN W3" charset="0"/>
+              <a:sym typeface="Gill Sans" charset="0"/>
+            </a:endParaRPr>
+          </a:p>
+        </p:txBody>
+      </p:sp>
+      <p:sp>
+        <p:nvSpPr>
+          <p:cNvPr id="16" name="Cloud 15"/>
+          <p:cNvSpPr/>
+          <p:nvPr/>
+        </p:nvSpPr>
+        <p:spPr bwMode="auto">
+          <a:xfrm>
+            <a:off x="4800600" y="4648200"/>
+            <a:ext cx="3657600" cy="1219200"/>
+          </a:xfrm>
+          <a:prstGeom prst="cloud">
+            <a:avLst/>
+          </a:prstGeom>
+          <a:solidFill>
+            <a:schemeClr val="accent1"/>
+          </a:solidFill>
+          <a:ln w="25400" cap="flat" cmpd="sng" algn="ctr">
+            <a:solidFill>
+              <a:srgbClr val="000000"/>
+            </a:solidFill>
+            <a:prstDash val="solid"/>
+            <a:round/>
+            <a:headEnd type="none" w="med" len="med"/>
+            <a:tailEnd type="none" w="med" len="med"/>
+          </a:ln>
+          <a:effectLst/>
+          <a:extLst>
+            <a:ext uri="{AF507438-7753-43e0-B8FC-AC1667EBCBE1}">
+              <a14:hiddenEffects xmlns:a14="http://schemas.microsoft.com/office/drawing/2010/main">
+                <a:effectLst>
+                  <a:outerShdw blurRad="63500" dist="38099" dir="2700000" algn="ctr" rotWithShape="0">
+                    <a:schemeClr val="bg2">
+                      <a:alpha val="74998"/>
+                    </a:schemeClr>
+                  </a:outerShdw>
+                </a:effectLst>
+              </a14:hiddenEffects>
+            </a:ext>
+          </a:extLst>
+        </p:spPr>
+        <p:txBody>
+          <a:bodyPr vert="horz" wrap="square" lIns="91440" tIns="45720" rIns="91440" bIns="45720" numCol="1" rtlCol="0" anchor="t" anchorCtr="0" compatLnSpc="1">
+            <a:prstTxWarp prst="textNoShape">
+              <a:avLst/>
+            </a:prstTxWarp>
+          </a:bodyPr>
+          <a:lstStyle/>
+          <a:p>
+            <a:pPr marL="0" marR="0" indent="0" algn="ctr" defTabSz="914400" rtl="0" eaLnBrk="1" fontAlgn="base" latinLnBrk="0" hangingPunct="1">
+              <a:lnSpc>
+                <a:spcPct val="100000"/>
+              </a:lnSpc>
+              <a:spcBef>
+                <a:spcPct val="0"/>
+              </a:spcBef>
+              <a:spcAft>
+                <a:spcPct val="0"/>
+              </a:spcAft>
+              <a:buClrTx/>
+              <a:buSzTx/>
+              <a:buFontTx/>
+              <a:buNone/>
+              <a:tabLst/>
+            </a:pPr>
+            <a:r>
+              <a:rPr kumimoji="0" lang="en-US" sz="2400" b="0" i="0" u="none" strike="noStrike" cap="none" normalizeH="0" baseline="0" dirty="0" err="1" smtClean="0">
+                <a:ln>
+                  <a:noFill/>
+                </a:ln>
+                <a:solidFill>
+                  <a:srgbClr val="000000"/>
+                </a:solidFill>
+                <a:effectLst/>
+                <a:latin typeface="Gill Sans" charset="0"/>
+                <a:ea typeface="ヒラギノ角ゴ ProN W3" charset="0"/>
+                <a:cs typeface="ヒラギノ角ゴ ProN W3" charset="0"/>
+                <a:sym typeface="Gill Sans" charset="0"/>
+              </a:rPr>
+              <a:t>Autohost</a:t>
+            </a:r>
+            <a:r>
+              <a:rPr kumimoji="0" lang="en-US" sz="2400" b="0" i="0" u="none" strike="noStrike" cap="none" normalizeH="0" baseline="0" dirty="0" smtClean="0">
+                <a:ln>
+                  <a:noFill/>
+                </a:ln>
+                <a:solidFill>
+                  <a:srgbClr val="000000"/>
+                </a:solidFill>
+                <a:effectLst/>
+                <a:latin typeface="Gill Sans" charset="0"/>
+                <a:ea typeface="ヒラギノ角ゴ ProN W3" charset="0"/>
+                <a:cs typeface="ヒラギノ角ゴ ProN W3" charset="0"/>
+                <a:sym typeface="Gill Sans" charset="0"/>
+              </a:rPr>
+              <a:t> DNS Engine</a:t>
+            </a:r>
+          </a:p>
+        </p:txBody>
+      </p:sp>
+      <p:cxnSp>
+        <p:nvCxnSpPr>
+          <p:cNvPr id="18" name="Elbow Connector 17"/>
+          <p:cNvCxnSpPr>
+            <a:stCxn id="3" idx="3"/>
+            <a:endCxn id="15" idx="2"/>
+          </p:cNvCxnSpPr>
+          <p:nvPr/>
+        </p:nvCxnSpPr>
+        <p:spPr bwMode="auto">
+          <a:xfrm flipV="1">
+            <a:off x="3962400" y="1981200"/>
+            <a:ext cx="1457491" cy="266700"/>
+          </a:xfrm>
+          <a:prstGeom prst="straightConnector1">
+            <a:avLst/>
+          </a:prstGeom>
+          <a:solidFill>
+            <a:schemeClr val="accent1"/>
+          </a:solidFill>
+          <a:ln w="25400" cap="flat" cmpd="sng" algn="ctr">
+            <a:solidFill>
+              <a:srgbClr val="000000"/>
+            </a:solidFill>
+            <a:prstDash val="solid"/>
+            <a:round/>
+            <a:headEnd type="arrow"/>
+            <a:tailEnd type="arrow"/>
+          </a:ln>
+          <a:effectLst/>
+          <a:extLst>
+            <a:ext uri="{AF507438-7753-43e0-B8FC-AC1667EBCBE1}">
+              <a14:hiddenEffects xmlns:a14="http://schemas.microsoft.com/office/drawing/2010/main">
+                <a:effectLst>
+                  <a:outerShdw blurRad="63500" dist="38099" dir="2700000" algn="ctr" rotWithShape="0">
+                    <a:schemeClr val="bg2">
+                      <a:alpha val="74998"/>
+                    </a:schemeClr>
+                  </a:outerShdw>
+                </a:effectLst>
+              </a14:hiddenEffects>
+            </a:ext>
+          </a:extLst>
+        </p:spPr>
+      </p:cxnSp>
+      <p:cxnSp>
+        <p:nvCxnSpPr>
+          <p:cNvPr id="23" name="Straight Arrow Connector 22"/>
+          <p:cNvCxnSpPr>
+            <a:endCxn id="16" idx="3"/>
+          </p:cNvCxnSpPr>
+          <p:nvPr/>
+        </p:nvCxnSpPr>
+        <p:spPr bwMode="auto">
+          <a:xfrm>
+            <a:off x="3962400" y="2590800"/>
+            <a:ext cx="2667000" cy="2127109"/>
+          </a:xfrm>
+          <a:prstGeom prst="straightConnector1">
+            <a:avLst/>
+          </a:prstGeom>
+          <a:solidFill>
+            <a:schemeClr val="accent1"/>
+          </a:solidFill>
+          <a:ln w="25400" cap="flat" cmpd="sng" algn="ctr">
+            <a:solidFill>
+              <a:srgbClr val="000000"/>
+            </a:solidFill>
+            <a:prstDash val="solid"/>
+            <a:round/>
+            <a:headEnd type="arrow"/>
+            <a:tailEnd type="arrow"/>
+          </a:ln>
+          <a:effectLst/>
+          <a:extLst>
+            <a:ext uri="{AF507438-7753-43e0-B8FC-AC1667EBCBE1}">
+              <a14:hiddenEffects xmlns:a14="http://schemas.microsoft.com/office/drawing/2010/main">
+                <a:effectLst>
+                  <a:outerShdw blurRad="63500" dist="38099" dir="2700000" algn="ctr" rotWithShape="0">
+                    <a:schemeClr val="bg2">
+                      <a:alpha val="74998"/>
+                    </a:schemeClr>
+                  </a:outerShdw>
+                </a:effectLst>
+              </a14:hiddenEffects>
+            </a:ext>
+          </a:extLst>
+        </p:spPr>
+      </p:cxnSp>
+      <p:cxnSp>
+        <p:nvCxnSpPr>
+          <p:cNvPr id="25" name="Straight Arrow Connector 24"/>
+          <p:cNvCxnSpPr/>
+          <p:nvPr/>
+        </p:nvCxnSpPr>
+        <p:spPr bwMode="auto">
+          <a:xfrm>
+            <a:off x="1447800" y="2743200"/>
+            <a:ext cx="38100" cy="1974709"/>
+          </a:xfrm>
+          <a:prstGeom prst="straightConnector1">
+            <a:avLst/>
+          </a:prstGeom>
+          <a:solidFill>
+            <a:schemeClr val="accent1"/>
+          </a:solidFill>
+          <a:ln w="25400" cap="flat" cmpd="sng" algn="ctr">
+            <a:solidFill>
+              <a:srgbClr val="000000"/>
+            </a:solidFill>
+            <a:prstDash val="solid"/>
+            <a:round/>
+            <a:headEnd type="arrow"/>
+            <a:tailEnd type="arrow"/>
+          </a:ln>
+          <a:effectLst/>
+          <a:extLst>
+            <a:ext uri="{AF507438-7753-43e0-B8FC-AC1667EBCBE1}">
+              <a14:hiddenEffects xmlns:a14="http://schemas.microsoft.com/office/drawing/2010/main">
+                <a:effectLst>
+                  <a:outerShdw blurRad="63500" dist="38099" dir="2700000" algn="ctr" rotWithShape="0">
+                    <a:schemeClr val="bg2">
+                      <a:alpha val="74998"/>
+                    </a:schemeClr>
+                  </a:outerShdw>
+                </a:effectLst>
+              </a14:hiddenEffects>
+            </a:ext>
+          </a:extLst>
+        </p:spPr>
+      </p:cxnSp>
     </p:spTree>
     <p:extLst>
       <p:ext uri="{BB962C8B-B14F-4D97-AF65-F5344CB8AC3E}">
@@ -4600,6 +5310,79 @@
       </p:grpSpPr>
       <p:sp>
         <p:nvSpPr>
+          <p:cNvPr id="10" name="Rectangle 9"/>
+          <p:cNvSpPr/>
+          <p:nvPr/>
+        </p:nvSpPr>
+        <p:spPr bwMode="auto">
+          <a:xfrm>
+            <a:off x="1295400" y="2095860"/>
+            <a:ext cx="3429000" cy="4023360"/>
+          </a:xfrm>
+          <a:prstGeom prst="rect">
+            <a:avLst/>
+          </a:prstGeom>
+          <a:solidFill>
+            <a:schemeClr val="bg1">
+              <a:lumMod val="95000"/>
+            </a:schemeClr>
+          </a:solidFill>
+          <a:ln w="25400" cap="flat" cmpd="sng" algn="ctr">
+            <a:solidFill>
+              <a:schemeClr val="bg1">
+                <a:lumMod val="50000"/>
+              </a:schemeClr>
+            </a:solidFill>
+            <a:prstDash val="solid"/>
+            <a:round/>
+            <a:headEnd type="none" w="med" len="med"/>
+            <a:tailEnd type="none" w="med" len="med"/>
+          </a:ln>
+          <a:effectLst/>
+          <a:extLst/>
+        </p:spPr>
+        <p:txBody>
+          <a:bodyPr vert="horz" wrap="square" lIns="91440" tIns="45720" rIns="91440" bIns="45720" numCol="1" rtlCol="0" anchor="t" anchorCtr="0" compatLnSpc="1">
+            <a:prstTxWarp prst="textNoShape">
+              <a:avLst/>
+            </a:prstTxWarp>
+          </a:bodyPr>
+          <a:lstStyle/>
+          <a:p>
+            <a:pPr marL="0" marR="0" indent="0" algn="ctr" defTabSz="914400" rtl="0" eaLnBrk="1" fontAlgn="base" latinLnBrk="0" hangingPunct="1">
+              <a:lnSpc>
+                <a:spcPct val="100000"/>
+              </a:lnSpc>
+              <a:spcBef>
+                <a:spcPct val="0"/>
+              </a:spcBef>
+              <a:spcAft>
+                <a:spcPct val="0"/>
+              </a:spcAft>
+              <a:buClrTx/>
+              <a:buSzTx/>
+              <a:buFontTx/>
+              <a:buNone/>
+              <a:tabLst/>
+            </a:pPr>
+            <a:endParaRPr kumimoji="0" lang="en-US" sz="4200" b="0" i="0" u="none" strike="noStrike" cap="none" normalizeH="0" baseline="0">
+              <a:ln>
+                <a:noFill/>
+              </a:ln>
+              <a:solidFill>
+                <a:srgbClr val="000000"/>
+              </a:solidFill>
+              <a:effectLst/>
+              <a:latin typeface="Gill Sans" charset="0"/>
+              <a:ea typeface="ヒラギノ角ゴ ProN W3" charset="0"/>
+              <a:cs typeface="ヒラギノ角ゴ ProN W3" charset="0"/>
+              <a:sym typeface="Gill Sans" charset="0"/>
+            </a:endParaRPr>
+          </a:p>
+        </p:txBody>
+      </p:sp>
+      <p:sp>
+        <p:nvSpPr>
           <p:cNvPr id="2" name="Title 1"/>
           <p:cNvSpPr>
             <a:spLocks noGrp="1"/>
@@ -4617,44 +5400,6 @@
               <a:rPr lang="en-US" dirty="0" smtClean="0"/>
               <a:t>BASIC ARCHITECTURE (cont’d)</a:t>
             </a:r>
-            <a:endParaRPr lang="en-US" dirty="0"/>
-          </a:p>
-        </p:txBody>
-      </p:sp>
-      <p:sp>
-        <p:nvSpPr>
-          <p:cNvPr id="3" name="Content Placeholder 2"/>
-          <p:cNvSpPr>
-            <a:spLocks noGrp="1"/>
-          </p:cNvSpPr>
-          <p:nvPr>
-            <p:ph sz="half" idx="1"/>
-          </p:nvPr>
-        </p:nvSpPr>
-        <p:spPr/>
-        <p:txBody>
-          <a:bodyPr/>
-          <a:lstStyle/>
-          <a:p>
-            <a:endParaRPr lang="en-US" dirty="0"/>
-          </a:p>
-        </p:txBody>
-      </p:sp>
-      <p:sp>
-        <p:nvSpPr>
-          <p:cNvPr id="4" name="Content Placeholder 3"/>
-          <p:cNvSpPr>
-            <a:spLocks noGrp="1"/>
-          </p:cNvSpPr>
-          <p:nvPr>
-            <p:ph sz="half" idx="2"/>
-          </p:nvPr>
-        </p:nvSpPr>
-        <p:spPr/>
-        <p:txBody>
-          <a:bodyPr/>
-          <a:lstStyle/>
-          <a:p>
             <a:endParaRPr lang="en-US" dirty="0"/>
           </a:p>
         </p:txBody>
@@ -4685,6 +5430,900 @@
               <a:t>3</a:t>
             </a:fld>
             <a:endParaRPr lang="en-US" dirty="0"/>
+          </a:p>
+        </p:txBody>
+      </p:sp>
+      <p:sp>
+        <p:nvSpPr>
+          <p:cNvPr id="7" name="TextBox 6"/>
+          <p:cNvSpPr txBox="1"/>
+          <p:nvPr/>
+        </p:nvSpPr>
+        <p:spPr>
+          <a:xfrm>
+            <a:off x="1143000" y="1447800"/>
+            <a:ext cx="3581400" cy="369332"/>
+          </a:xfrm>
+          <a:prstGeom prst="rect">
+            <a:avLst/>
+          </a:prstGeom>
+          <a:solidFill>
+            <a:schemeClr val="bg1"/>
+          </a:solidFill>
+          <a:ln>
+            <a:solidFill>
+              <a:schemeClr val="tx1"/>
+            </a:solidFill>
+          </a:ln>
+        </p:spPr>
+        <p:txBody>
+          <a:bodyPr wrap="square" rtlCol="0">
+            <a:spAutoFit/>
+          </a:bodyPr>
+          <a:lstStyle/>
+          <a:p>
+            <a:r>
+              <a:rPr lang="en-US" sz="1800" dirty="0" smtClean="0"/>
+              <a:t>Zeus Load Balancer</a:t>
+            </a:r>
+            <a:endParaRPr lang="en-US" sz="1800" dirty="0"/>
+          </a:p>
+        </p:txBody>
+      </p:sp>
+      <p:sp>
+        <p:nvSpPr>
+          <p:cNvPr id="9" name="Rectangle 8"/>
+          <p:cNvSpPr/>
+          <p:nvPr/>
+        </p:nvSpPr>
+        <p:spPr bwMode="auto">
+          <a:xfrm>
+            <a:off x="1219200" y="2172060"/>
+            <a:ext cx="3429000" cy="4023360"/>
+          </a:xfrm>
+          <a:prstGeom prst="rect">
+            <a:avLst/>
+          </a:prstGeom>
+          <a:solidFill>
+            <a:schemeClr val="bg1">
+              <a:lumMod val="95000"/>
+            </a:schemeClr>
+          </a:solidFill>
+          <a:ln w="25400" cap="flat" cmpd="sng" algn="ctr">
+            <a:solidFill>
+              <a:schemeClr val="bg1">
+                <a:lumMod val="50000"/>
+              </a:schemeClr>
+            </a:solidFill>
+            <a:prstDash val="solid"/>
+            <a:round/>
+            <a:headEnd type="none" w="med" len="med"/>
+            <a:tailEnd type="none" w="med" len="med"/>
+          </a:ln>
+          <a:effectLst/>
+          <a:extLst/>
+        </p:spPr>
+        <p:txBody>
+          <a:bodyPr vert="horz" wrap="square" lIns="91440" tIns="45720" rIns="91440" bIns="45720" numCol="1" rtlCol="0" anchor="t" anchorCtr="0" compatLnSpc="1">
+            <a:prstTxWarp prst="textNoShape">
+              <a:avLst/>
+            </a:prstTxWarp>
+          </a:bodyPr>
+          <a:lstStyle/>
+          <a:p>
+            <a:pPr marL="0" marR="0" indent="0" algn="ctr" defTabSz="914400" rtl="0" eaLnBrk="1" fontAlgn="base" latinLnBrk="0" hangingPunct="1">
+              <a:lnSpc>
+                <a:spcPct val="100000"/>
+              </a:lnSpc>
+              <a:spcBef>
+                <a:spcPct val="0"/>
+              </a:spcBef>
+              <a:spcAft>
+                <a:spcPct val="0"/>
+              </a:spcAft>
+              <a:buClrTx/>
+              <a:buSzTx/>
+              <a:buFontTx/>
+              <a:buNone/>
+              <a:tabLst/>
+            </a:pPr>
+            <a:endParaRPr kumimoji="0" lang="en-US" sz="4200" b="0" i="0" u="none" strike="noStrike" cap="none" normalizeH="0" baseline="0">
+              <a:ln>
+                <a:noFill/>
+              </a:ln>
+              <a:solidFill>
+                <a:srgbClr val="000000"/>
+              </a:solidFill>
+              <a:effectLst/>
+              <a:latin typeface="Gill Sans" charset="0"/>
+              <a:ea typeface="ヒラギノ角ゴ ProN W3" charset="0"/>
+              <a:cs typeface="ヒラギノ角ゴ ProN W3" charset="0"/>
+              <a:sym typeface="Gill Sans" charset="0"/>
+            </a:endParaRPr>
+          </a:p>
+        </p:txBody>
+      </p:sp>
+      <p:sp>
+        <p:nvSpPr>
+          <p:cNvPr id="8" name="TextBox 7"/>
+          <p:cNvSpPr txBox="1"/>
+          <p:nvPr/>
+        </p:nvSpPr>
+        <p:spPr>
+          <a:xfrm>
+            <a:off x="1143000" y="2248260"/>
+            <a:ext cx="3429000" cy="4023360"/>
+          </a:xfrm>
+          <a:prstGeom prst="rect">
+            <a:avLst/>
+          </a:prstGeom>
+          <a:solidFill>
+            <a:schemeClr val="bg1"/>
+          </a:solidFill>
+          <a:ln>
+            <a:solidFill>
+              <a:schemeClr val="tx1"/>
+            </a:solidFill>
+          </a:ln>
+        </p:spPr>
+        <p:txBody>
+          <a:bodyPr wrap="square" rtlCol="0">
+            <a:noAutofit/>
+          </a:bodyPr>
+          <a:lstStyle/>
+          <a:p>
+            <a:r>
+              <a:rPr lang="en-US" sz="1800" dirty="0" smtClean="0"/>
+              <a:t>SMX 4 (OSGI)</a:t>
+            </a:r>
+            <a:endParaRPr lang="en-US" sz="1800" dirty="0"/>
+          </a:p>
+        </p:txBody>
+      </p:sp>
+      <p:cxnSp>
+        <p:nvCxnSpPr>
+          <p:cNvPr id="12" name="Straight Arrow Connector 11"/>
+          <p:cNvCxnSpPr>
+            <a:stCxn id="7" idx="2"/>
+            <a:endCxn id="9" idx="0"/>
+          </p:cNvCxnSpPr>
+          <p:nvPr/>
+        </p:nvCxnSpPr>
+        <p:spPr bwMode="auto">
+          <a:xfrm>
+            <a:off x="2933700" y="1817132"/>
+            <a:ext cx="0" cy="354928"/>
+          </a:xfrm>
+          <a:prstGeom prst="straightConnector1">
+            <a:avLst/>
+          </a:prstGeom>
+          <a:solidFill>
+            <a:schemeClr val="accent1"/>
+          </a:solidFill>
+          <a:ln w="25400" cap="flat" cmpd="sng" algn="ctr">
+            <a:solidFill>
+              <a:schemeClr val="tx1"/>
+            </a:solidFill>
+            <a:prstDash val="solid"/>
+            <a:round/>
+            <a:headEnd type="arrow"/>
+            <a:tailEnd type="arrow"/>
+          </a:ln>
+          <a:effectLst/>
+          <a:extLst>
+            <a:ext uri="{AF507438-7753-43e0-B8FC-AC1667EBCBE1}">
+              <a14:hiddenEffects xmlns:a14="http://schemas.microsoft.com/office/drawing/2010/main">
+                <a:effectLst>
+                  <a:outerShdw blurRad="63500" dist="38099" dir="2700000" algn="ctr" rotWithShape="0">
+                    <a:schemeClr val="bg2">
+                      <a:alpha val="74998"/>
+                    </a:schemeClr>
+                  </a:outerShdw>
+                </a:effectLst>
+              </a14:hiddenEffects>
+            </a:ext>
+          </a:extLst>
+        </p:spPr>
+      </p:cxnSp>
+      <p:sp>
+        <p:nvSpPr>
+          <p:cNvPr id="13" name="Can 12"/>
+          <p:cNvSpPr/>
+          <p:nvPr/>
+        </p:nvSpPr>
+        <p:spPr bwMode="auto">
+          <a:xfrm>
+            <a:off x="6248400" y="1981200"/>
+            <a:ext cx="1905000" cy="914400"/>
+          </a:xfrm>
+          <a:prstGeom prst="can">
+            <a:avLst/>
+          </a:prstGeom>
+          <a:solidFill>
+            <a:srgbClr val="F9FFC1"/>
+          </a:solidFill>
+          <a:ln w="25400" cap="flat" cmpd="sng" algn="ctr">
+            <a:solidFill>
+              <a:schemeClr val="tx1"/>
+            </a:solidFill>
+            <a:prstDash val="solid"/>
+            <a:round/>
+            <a:headEnd type="none" w="med" len="med"/>
+            <a:tailEnd type="none" w="med" len="med"/>
+          </a:ln>
+          <a:effectLst/>
+          <a:extLst/>
+        </p:spPr>
+        <p:txBody>
+          <a:bodyPr vert="horz" wrap="square" lIns="91440" tIns="45720" rIns="91440" bIns="45720" numCol="1" rtlCol="0" anchor="t" anchorCtr="0" compatLnSpc="1">
+            <a:prstTxWarp prst="textNoShape">
+              <a:avLst/>
+            </a:prstTxWarp>
+          </a:bodyPr>
+          <a:lstStyle/>
+          <a:p>
+            <a:pPr marL="0" marR="0" indent="0" algn="ctr" defTabSz="914400" rtl="0" eaLnBrk="1" fontAlgn="base" latinLnBrk="0" hangingPunct="1">
+              <a:lnSpc>
+                <a:spcPct val="100000"/>
+              </a:lnSpc>
+              <a:spcBef>
+                <a:spcPct val="0"/>
+              </a:spcBef>
+              <a:spcAft>
+                <a:spcPct val="0"/>
+              </a:spcAft>
+              <a:buClrTx/>
+              <a:buSzTx/>
+              <a:buFontTx/>
+              <a:buNone/>
+              <a:tabLst/>
+            </a:pPr>
+            <a:r>
+              <a:rPr kumimoji="0" lang="en-US" sz="1800" b="0" i="0" u="none" strike="noStrike" cap="none" normalizeH="0" baseline="0" dirty="0" smtClean="0">
+                <a:ln>
+                  <a:noFill/>
+                </a:ln>
+                <a:solidFill>
+                  <a:srgbClr val="000000"/>
+                </a:solidFill>
+                <a:effectLst/>
+                <a:latin typeface="Gill Sans" charset="0"/>
+                <a:ea typeface="ヒラギノ角ゴ ProN W3" charset="0"/>
+                <a:cs typeface="ヒラギノ角ゴ ProN W3" charset="0"/>
+                <a:sym typeface="Gill Sans" charset="0"/>
+              </a:rPr>
+              <a:t>MySQL Data</a:t>
+            </a:r>
+            <a:r>
+              <a:rPr kumimoji="0" lang="en-US" sz="1800" b="0" i="0" u="none" strike="noStrike" cap="none" normalizeH="0" dirty="0" smtClean="0">
+                <a:ln>
+                  <a:noFill/>
+                </a:ln>
+                <a:solidFill>
+                  <a:srgbClr val="000000"/>
+                </a:solidFill>
+                <a:effectLst/>
+                <a:latin typeface="Gill Sans" charset="0"/>
+                <a:ea typeface="ヒラギノ角ゴ ProN W3" charset="0"/>
+                <a:cs typeface="ヒラギノ角ゴ ProN W3" charset="0"/>
+                <a:sym typeface="Gill Sans" charset="0"/>
+              </a:rPr>
+              <a:t> Store</a:t>
+            </a:r>
+            <a:endParaRPr kumimoji="0" lang="en-US" sz="1800" b="0" i="0" u="none" strike="noStrike" cap="none" normalizeH="0" baseline="0" dirty="0">
+              <a:ln>
+                <a:noFill/>
+              </a:ln>
+              <a:solidFill>
+                <a:srgbClr val="000000"/>
+              </a:solidFill>
+              <a:effectLst/>
+              <a:latin typeface="Gill Sans" charset="0"/>
+              <a:ea typeface="ヒラギノ角ゴ ProN W3" charset="0"/>
+              <a:cs typeface="ヒラギノ角ゴ ProN W3" charset="0"/>
+              <a:sym typeface="Gill Sans" charset="0"/>
+            </a:endParaRPr>
+          </a:p>
+        </p:txBody>
+      </p:sp>
+      <p:cxnSp>
+        <p:nvCxnSpPr>
+          <p:cNvPr id="15" name="Straight Arrow Connector 14"/>
+          <p:cNvCxnSpPr>
+            <a:endCxn id="13" idx="2"/>
+          </p:cNvCxnSpPr>
+          <p:nvPr/>
+        </p:nvCxnSpPr>
+        <p:spPr bwMode="auto">
+          <a:xfrm flipV="1">
+            <a:off x="4724400" y="2438400"/>
+            <a:ext cx="1524000" cy="838200"/>
+          </a:xfrm>
+          <a:prstGeom prst="straightConnector1">
+            <a:avLst/>
+          </a:prstGeom>
+          <a:solidFill>
+            <a:schemeClr val="accent1"/>
+          </a:solidFill>
+          <a:ln w="25400" cap="flat" cmpd="sng" algn="ctr">
+            <a:solidFill>
+              <a:schemeClr val="tx1"/>
+            </a:solidFill>
+            <a:prstDash val="solid"/>
+            <a:round/>
+            <a:headEnd type="arrow"/>
+            <a:tailEnd type="arrow"/>
+          </a:ln>
+          <a:effectLst/>
+          <a:extLst>
+            <a:ext uri="{AF507438-7753-43e0-B8FC-AC1667EBCBE1}">
+              <a14:hiddenEffects xmlns:a14="http://schemas.microsoft.com/office/drawing/2010/main">
+                <a:effectLst>
+                  <a:outerShdw blurRad="63500" dist="38099" dir="2700000" algn="ctr" rotWithShape="0">
+                    <a:schemeClr val="bg2">
+                      <a:alpha val="74998"/>
+                    </a:schemeClr>
+                  </a:outerShdw>
+                </a:effectLst>
+              </a14:hiddenEffects>
+            </a:ext>
+          </a:extLst>
+        </p:spPr>
+      </p:cxnSp>
+      <p:sp>
+        <p:nvSpPr>
+          <p:cNvPr id="16" name="TextBox 15"/>
+          <p:cNvSpPr txBox="1"/>
+          <p:nvPr/>
+        </p:nvSpPr>
+        <p:spPr>
+          <a:xfrm>
+            <a:off x="1219200" y="2667000"/>
+            <a:ext cx="3276600" cy="369332"/>
+          </a:xfrm>
+          <a:prstGeom prst="rect">
+            <a:avLst/>
+          </a:prstGeom>
+          <a:solidFill>
+            <a:schemeClr val="bg1"/>
+          </a:solidFill>
+          <a:ln>
+            <a:solidFill>
+              <a:schemeClr val="tx1"/>
+            </a:solidFill>
+          </a:ln>
+        </p:spPr>
+        <p:txBody>
+          <a:bodyPr wrap="square" rtlCol="0" anchor="ctr" anchorCtr="0">
+            <a:spAutoFit/>
+          </a:bodyPr>
+          <a:lstStyle/>
+          <a:p>
+            <a:r>
+              <a:rPr lang="en-US" sz="1800" dirty="0" smtClean="0">
+                <a:solidFill>
+                  <a:schemeClr val="tx1"/>
+                </a:solidFill>
+              </a:rPr>
+              <a:t>Jetty</a:t>
+            </a:r>
+            <a:endParaRPr lang="en-US" sz="1800" dirty="0">
+              <a:solidFill>
+                <a:schemeClr val="tx1"/>
+              </a:solidFill>
+            </a:endParaRPr>
+          </a:p>
+        </p:txBody>
+      </p:sp>
+      <p:sp>
+        <p:nvSpPr>
+          <p:cNvPr id="17" name="TextBox 16"/>
+          <p:cNvSpPr txBox="1"/>
+          <p:nvPr/>
+        </p:nvSpPr>
+        <p:spPr>
+          <a:xfrm>
+            <a:off x="1219200" y="3160058"/>
+            <a:ext cx="3276600" cy="369332"/>
+          </a:xfrm>
+          <a:prstGeom prst="rect">
+            <a:avLst/>
+          </a:prstGeom>
+          <a:solidFill>
+            <a:schemeClr val="bg1"/>
+          </a:solidFill>
+          <a:ln>
+            <a:solidFill>
+              <a:schemeClr val="tx1"/>
+            </a:solidFill>
+          </a:ln>
+        </p:spPr>
+        <p:txBody>
+          <a:bodyPr wrap="square" rtlCol="0" anchor="ctr" anchorCtr="0">
+            <a:spAutoFit/>
+          </a:bodyPr>
+          <a:lstStyle/>
+          <a:p>
+            <a:r>
+              <a:rPr lang="en-US" sz="1800" dirty="0" smtClean="0">
+                <a:solidFill>
+                  <a:schemeClr val="tx1"/>
+                </a:solidFill>
+              </a:rPr>
+              <a:t>Apache CXF</a:t>
+            </a:r>
+            <a:endParaRPr lang="en-US" sz="1800" dirty="0">
+              <a:solidFill>
+                <a:schemeClr val="tx1"/>
+              </a:solidFill>
+            </a:endParaRPr>
+          </a:p>
+        </p:txBody>
+      </p:sp>
+      <p:sp>
+        <p:nvSpPr>
+          <p:cNvPr id="18" name="TextBox 17"/>
+          <p:cNvSpPr txBox="1"/>
+          <p:nvPr/>
+        </p:nvSpPr>
+        <p:spPr>
+          <a:xfrm>
+            <a:off x="1219200" y="3662008"/>
+            <a:ext cx="3276600" cy="369332"/>
+          </a:xfrm>
+          <a:prstGeom prst="rect">
+            <a:avLst/>
+          </a:prstGeom>
+          <a:solidFill>
+            <a:srgbClr val="F9FFC1"/>
+          </a:solidFill>
+          <a:ln>
+            <a:solidFill>
+              <a:schemeClr val="tx1"/>
+            </a:solidFill>
+          </a:ln>
+        </p:spPr>
+        <p:txBody>
+          <a:bodyPr wrap="square" rtlCol="0" anchor="ctr" anchorCtr="0">
+            <a:spAutoFit/>
+          </a:bodyPr>
+          <a:lstStyle/>
+          <a:p>
+            <a:r>
+              <a:rPr lang="en-US" sz="1800" dirty="0" smtClean="0">
+                <a:solidFill>
+                  <a:schemeClr val="tx1"/>
+                </a:solidFill>
+              </a:rPr>
+              <a:t>Cloud DNS API Layer</a:t>
+            </a:r>
+            <a:endParaRPr lang="en-US" sz="1800" dirty="0">
+              <a:solidFill>
+                <a:schemeClr val="tx1"/>
+              </a:solidFill>
+            </a:endParaRPr>
+          </a:p>
+        </p:txBody>
+      </p:sp>
+      <p:sp>
+        <p:nvSpPr>
+          <p:cNvPr id="19" name="TextBox 18"/>
+          <p:cNvSpPr txBox="1"/>
+          <p:nvPr/>
+        </p:nvSpPr>
+        <p:spPr>
+          <a:xfrm>
+            <a:off x="1219200" y="4564740"/>
+            <a:ext cx="3276600" cy="369332"/>
+          </a:xfrm>
+          <a:prstGeom prst="rect">
+            <a:avLst/>
+          </a:prstGeom>
+          <a:solidFill>
+            <a:schemeClr val="bg1"/>
+          </a:solidFill>
+          <a:ln>
+            <a:solidFill>
+              <a:schemeClr val="tx1"/>
+            </a:solidFill>
+          </a:ln>
+        </p:spPr>
+        <p:txBody>
+          <a:bodyPr wrap="square" rtlCol="0" anchor="ctr" anchorCtr="0">
+            <a:spAutoFit/>
+          </a:bodyPr>
+          <a:lstStyle/>
+          <a:p>
+            <a:r>
+              <a:rPr lang="en-US" sz="1800" dirty="0" smtClean="0">
+                <a:solidFill>
+                  <a:schemeClr val="tx1"/>
+                </a:solidFill>
+              </a:rPr>
+              <a:t>Apache Camel</a:t>
+            </a:r>
+            <a:endParaRPr lang="en-US" sz="1800" dirty="0">
+              <a:solidFill>
+                <a:schemeClr val="tx1"/>
+              </a:solidFill>
+            </a:endParaRPr>
+          </a:p>
+        </p:txBody>
+      </p:sp>
+      <p:sp>
+        <p:nvSpPr>
+          <p:cNvPr id="23" name="TextBox 22"/>
+          <p:cNvSpPr txBox="1"/>
+          <p:nvPr/>
+        </p:nvSpPr>
+        <p:spPr>
+          <a:xfrm>
+            <a:off x="1214365" y="5021513"/>
+            <a:ext cx="3276600" cy="369332"/>
+          </a:xfrm>
+          <a:prstGeom prst="rect">
+            <a:avLst/>
+          </a:prstGeom>
+          <a:solidFill>
+            <a:srgbClr val="F9FFC1"/>
+          </a:solidFill>
+          <a:ln>
+            <a:solidFill>
+              <a:schemeClr val="tx1"/>
+            </a:solidFill>
+          </a:ln>
+        </p:spPr>
+        <p:txBody>
+          <a:bodyPr wrap="square" rtlCol="0" anchor="ctr" anchorCtr="0">
+            <a:spAutoFit/>
+          </a:bodyPr>
+          <a:lstStyle/>
+          <a:p>
+            <a:r>
+              <a:rPr lang="en-US" sz="1800" dirty="0" smtClean="0">
+                <a:solidFill>
+                  <a:schemeClr val="tx1"/>
+                </a:solidFill>
+              </a:rPr>
+              <a:t>Cloud DNS Service Adapter</a:t>
+            </a:r>
+            <a:endParaRPr lang="en-US" sz="1800" dirty="0">
+              <a:solidFill>
+                <a:schemeClr val="tx1"/>
+              </a:solidFill>
+            </a:endParaRPr>
+          </a:p>
+        </p:txBody>
+      </p:sp>
+      <p:sp>
+        <p:nvSpPr>
+          <p:cNvPr id="24" name="TextBox 23"/>
+          <p:cNvSpPr txBox="1"/>
+          <p:nvPr/>
+        </p:nvSpPr>
+        <p:spPr>
+          <a:xfrm>
+            <a:off x="1219200" y="5470056"/>
+            <a:ext cx="3276600" cy="646331"/>
+          </a:xfrm>
+          <a:prstGeom prst="rect">
+            <a:avLst/>
+          </a:prstGeom>
+          <a:solidFill>
+            <a:srgbClr val="F9FFC1"/>
+          </a:solidFill>
+          <a:ln>
+            <a:solidFill>
+              <a:schemeClr val="tx1"/>
+            </a:solidFill>
+          </a:ln>
+        </p:spPr>
+        <p:txBody>
+          <a:bodyPr wrap="square" rtlCol="0" anchor="ctr" anchorCtr="0">
+            <a:spAutoFit/>
+          </a:bodyPr>
+          <a:lstStyle/>
+          <a:p>
+            <a:r>
+              <a:rPr lang="en-US" sz="1800" dirty="0" smtClean="0">
+                <a:solidFill>
+                  <a:schemeClr val="tx1"/>
+                </a:solidFill>
+              </a:rPr>
+              <a:t>Cloud DNS </a:t>
+            </a:r>
+            <a:r>
+              <a:rPr lang="en-US" sz="1800" dirty="0" err="1" smtClean="0">
+                <a:solidFill>
+                  <a:schemeClr val="tx1"/>
+                </a:solidFill>
+              </a:rPr>
+              <a:t>Autohost</a:t>
+            </a:r>
+            <a:r>
+              <a:rPr lang="en-US" sz="1800" dirty="0">
+                <a:solidFill>
+                  <a:schemeClr val="tx1"/>
+                </a:solidFill>
+              </a:rPr>
+              <a:t> </a:t>
+            </a:r>
+            <a:r>
+              <a:rPr lang="en-US" sz="1800" dirty="0" smtClean="0">
+                <a:solidFill>
+                  <a:schemeClr val="tx1"/>
+                </a:solidFill>
+              </a:rPr>
+              <a:t>Adapter Implementation</a:t>
+            </a:r>
+            <a:endParaRPr lang="en-US" sz="1800" dirty="0">
+              <a:solidFill>
+                <a:schemeClr val="tx1"/>
+              </a:solidFill>
+            </a:endParaRPr>
+          </a:p>
+        </p:txBody>
+      </p:sp>
+      <p:cxnSp>
+        <p:nvCxnSpPr>
+          <p:cNvPr id="26" name="Straight Arrow Connector 25"/>
+          <p:cNvCxnSpPr/>
+          <p:nvPr/>
+        </p:nvCxnSpPr>
+        <p:spPr bwMode="auto">
+          <a:xfrm>
+            <a:off x="2286000" y="4038600"/>
+            <a:ext cx="0" cy="496467"/>
+          </a:xfrm>
+          <a:prstGeom prst="straightConnector1">
+            <a:avLst/>
+          </a:prstGeom>
+          <a:solidFill>
+            <a:schemeClr val="accent1"/>
+          </a:solidFill>
+          <a:ln w="25400" cap="flat" cmpd="sng" algn="ctr">
+            <a:solidFill>
+              <a:schemeClr val="tx1"/>
+            </a:solidFill>
+            <a:prstDash val="solid"/>
+            <a:round/>
+            <a:headEnd type="arrow"/>
+            <a:tailEnd type="arrow"/>
+          </a:ln>
+          <a:effectLst/>
+          <a:extLst>
+            <a:ext uri="{AF507438-7753-43e0-B8FC-AC1667EBCBE1}">
+              <a14:hiddenEffects xmlns:a14="http://schemas.microsoft.com/office/drawing/2010/main">
+                <a:effectLst>
+                  <a:outerShdw blurRad="63500" dist="38099" dir="2700000" algn="ctr" rotWithShape="0">
+                    <a:schemeClr val="bg2">
+                      <a:alpha val="74998"/>
+                    </a:schemeClr>
+                  </a:outerShdw>
+                </a:effectLst>
+              </a14:hiddenEffects>
+            </a:ext>
+          </a:extLst>
+        </p:spPr>
+      </p:cxnSp>
+      <p:sp>
+        <p:nvSpPr>
+          <p:cNvPr id="27" name="TextBox 26"/>
+          <p:cNvSpPr txBox="1"/>
+          <p:nvPr/>
+        </p:nvSpPr>
+        <p:spPr>
+          <a:xfrm>
+            <a:off x="2429935" y="4151085"/>
+            <a:ext cx="1414332" cy="307777"/>
+          </a:xfrm>
+          <a:prstGeom prst="rect">
+            <a:avLst/>
+          </a:prstGeom>
+          <a:solidFill>
+            <a:schemeClr val="bg1"/>
+          </a:solidFill>
+          <a:ln>
+            <a:noFill/>
+          </a:ln>
+        </p:spPr>
+        <p:txBody>
+          <a:bodyPr wrap="none" rtlCol="0">
+            <a:spAutoFit/>
+          </a:bodyPr>
+          <a:lstStyle/>
+          <a:p>
+            <a:r>
+              <a:rPr lang="en-US" sz="1400" dirty="0" smtClean="0"/>
+              <a:t>Active MQ (JMS)</a:t>
+            </a:r>
+            <a:endParaRPr lang="en-US" sz="1400" dirty="0"/>
+          </a:p>
+        </p:txBody>
+      </p:sp>
+      <p:sp>
+        <p:nvSpPr>
+          <p:cNvPr id="28" name="Cloud 27"/>
+          <p:cNvSpPr/>
+          <p:nvPr/>
+        </p:nvSpPr>
+        <p:spPr bwMode="auto">
+          <a:xfrm>
+            <a:off x="5181600" y="4572000"/>
+            <a:ext cx="3657600" cy="1219200"/>
+          </a:xfrm>
+          <a:prstGeom prst="cloud">
+            <a:avLst/>
+          </a:prstGeom>
+          <a:solidFill>
+            <a:schemeClr val="bg1"/>
+          </a:solidFill>
+          <a:ln w="25400" cap="flat" cmpd="sng" algn="ctr">
+            <a:solidFill>
+              <a:schemeClr val="tx1"/>
+            </a:solidFill>
+            <a:prstDash val="solid"/>
+            <a:round/>
+            <a:headEnd type="none" w="med" len="med"/>
+            <a:tailEnd type="none" w="med" len="med"/>
+          </a:ln>
+          <a:effectLst/>
+          <a:extLst/>
+        </p:spPr>
+        <p:txBody>
+          <a:bodyPr vert="horz" wrap="square" lIns="91440" tIns="45720" rIns="91440" bIns="45720" numCol="1" rtlCol="0" anchor="t" anchorCtr="0" compatLnSpc="1">
+            <a:prstTxWarp prst="textNoShape">
+              <a:avLst/>
+            </a:prstTxWarp>
+          </a:bodyPr>
+          <a:lstStyle/>
+          <a:p>
+            <a:pPr marL="0" marR="0" indent="0" algn="ctr" defTabSz="914400" rtl="0" eaLnBrk="1" fontAlgn="base" latinLnBrk="0" hangingPunct="1">
+              <a:lnSpc>
+                <a:spcPct val="100000"/>
+              </a:lnSpc>
+              <a:spcBef>
+                <a:spcPct val="0"/>
+              </a:spcBef>
+              <a:spcAft>
+                <a:spcPct val="0"/>
+              </a:spcAft>
+              <a:buClrTx/>
+              <a:buSzTx/>
+              <a:buFontTx/>
+              <a:buNone/>
+              <a:tabLst/>
+            </a:pPr>
+            <a:r>
+              <a:rPr kumimoji="0" lang="en-US" sz="2400" b="0" i="0" u="none" strike="noStrike" cap="none" normalizeH="0" baseline="0" dirty="0" err="1" smtClean="0">
+                <a:ln>
+                  <a:noFill/>
+                </a:ln>
+                <a:solidFill>
+                  <a:srgbClr val="000000"/>
+                </a:solidFill>
+                <a:effectLst/>
+                <a:latin typeface="Gill Sans" charset="0"/>
+                <a:ea typeface="ヒラギノ角ゴ ProN W3" charset="0"/>
+                <a:cs typeface="ヒラギノ角ゴ ProN W3" charset="0"/>
+                <a:sym typeface="Gill Sans" charset="0"/>
+              </a:rPr>
+              <a:t>Autohost</a:t>
+            </a:r>
+            <a:r>
+              <a:rPr kumimoji="0" lang="en-US" sz="2400" b="0" i="0" u="none" strike="noStrike" cap="none" normalizeH="0" baseline="0" dirty="0" smtClean="0">
+                <a:ln>
+                  <a:noFill/>
+                </a:ln>
+                <a:solidFill>
+                  <a:srgbClr val="000000"/>
+                </a:solidFill>
+                <a:effectLst/>
+                <a:latin typeface="Gill Sans" charset="0"/>
+                <a:ea typeface="ヒラギノ角ゴ ProN W3" charset="0"/>
+                <a:cs typeface="ヒラギノ角ゴ ProN W3" charset="0"/>
+                <a:sym typeface="Gill Sans" charset="0"/>
+              </a:rPr>
+              <a:t> DNS Engine</a:t>
+            </a:r>
+          </a:p>
+        </p:txBody>
+      </p:sp>
+      <p:cxnSp>
+        <p:nvCxnSpPr>
+          <p:cNvPr id="30" name="Straight Arrow Connector 29"/>
+          <p:cNvCxnSpPr>
+            <a:stCxn id="24" idx="3"/>
+            <a:endCxn id="28" idx="2"/>
+          </p:cNvCxnSpPr>
+          <p:nvPr/>
+        </p:nvCxnSpPr>
+        <p:spPr bwMode="auto">
+          <a:xfrm flipV="1">
+            <a:off x="4495800" y="5181600"/>
+            <a:ext cx="697145" cy="611622"/>
+          </a:xfrm>
+          <a:prstGeom prst="straightConnector1">
+            <a:avLst/>
+          </a:prstGeom>
+          <a:solidFill>
+            <a:schemeClr val="accent1"/>
+          </a:solidFill>
+          <a:ln w="25400" cap="flat" cmpd="sng" algn="ctr">
+            <a:solidFill>
+              <a:schemeClr val="tx1"/>
+            </a:solidFill>
+            <a:prstDash val="solid"/>
+            <a:round/>
+            <a:headEnd type="arrow"/>
+            <a:tailEnd type="arrow"/>
+          </a:ln>
+          <a:effectLst/>
+          <a:extLst>
+            <a:ext uri="{AF507438-7753-43e0-B8FC-AC1667EBCBE1}">
+              <a14:hiddenEffects xmlns:a14="http://schemas.microsoft.com/office/drawing/2010/main">
+                <a:effectLst>
+                  <a:outerShdw blurRad="63500" dist="38099" dir="2700000" algn="ctr" rotWithShape="0">
+                    <a:schemeClr val="bg2">
+                      <a:alpha val="74998"/>
+                    </a:schemeClr>
+                  </a:outerShdw>
+                </a:effectLst>
+              </a14:hiddenEffects>
+            </a:ext>
+          </a:extLst>
+        </p:spPr>
+      </p:cxnSp>
+      <p:sp>
+        <p:nvSpPr>
+          <p:cNvPr id="31" name="TextBox 30"/>
+          <p:cNvSpPr txBox="1"/>
+          <p:nvPr/>
+        </p:nvSpPr>
+        <p:spPr>
+          <a:xfrm>
+            <a:off x="6248400" y="2971800"/>
+            <a:ext cx="2249334" cy="523220"/>
+          </a:xfrm>
+          <a:prstGeom prst="rect">
+            <a:avLst/>
+          </a:prstGeom>
+          <a:solidFill>
+            <a:schemeClr val="bg1"/>
+          </a:solidFill>
+          <a:ln>
+            <a:noFill/>
+          </a:ln>
+        </p:spPr>
+        <p:txBody>
+          <a:bodyPr wrap="none" rtlCol="0">
+            <a:spAutoFit/>
+          </a:bodyPr>
+          <a:lstStyle/>
+          <a:p>
+            <a:pPr marL="285750" indent="-285750" algn="l">
+              <a:buFont typeface="Arial"/>
+              <a:buChar char="•"/>
+            </a:pPr>
+            <a:r>
+              <a:rPr lang="en-US" sz="1400" dirty="0" smtClean="0"/>
+              <a:t>Limit group membership</a:t>
+            </a:r>
+          </a:p>
+          <a:p>
+            <a:pPr marL="285750" indent="-285750" algn="l">
+              <a:buFont typeface="Arial"/>
+              <a:buChar char="•"/>
+            </a:pPr>
+            <a:r>
+              <a:rPr lang="en-US" sz="1400" dirty="0" err="1" smtClean="0"/>
+              <a:t>Async</a:t>
+            </a:r>
+            <a:r>
+              <a:rPr lang="en-US" sz="1400" dirty="0" smtClean="0"/>
+              <a:t> job information</a:t>
+            </a:r>
+            <a:endParaRPr lang="en-US" sz="1400" dirty="0"/>
           </a:p>
         </p:txBody>
       </p:sp>
